--- a/graphql/docs/graphql.pptx
+++ b/graphql/docs/graphql.pptx
@@ -10,12 +10,14 @@
     <p:sldId id="262" r:id="rId4"/>
     <p:sldId id="258" r:id="rId5"/>
     <p:sldId id="259" r:id="rId6"/>
-    <p:sldId id="261" r:id="rId7"/>
-    <p:sldId id="260" r:id="rId8"/>
-    <p:sldId id="263" r:id="rId9"/>
-    <p:sldId id="264" r:id="rId10"/>
-    <p:sldId id="265" r:id="rId11"/>
-    <p:sldId id="266" r:id="rId12"/>
+    <p:sldId id="268" r:id="rId7"/>
+    <p:sldId id="261" r:id="rId8"/>
+    <p:sldId id="260" r:id="rId9"/>
+    <p:sldId id="263" r:id="rId10"/>
+    <p:sldId id="264" r:id="rId11"/>
+    <p:sldId id="265" r:id="rId12"/>
+    <p:sldId id="266" r:id="rId13"/>
+    <p:sldId id="267" r:id="rId14"/>
   </p:sldIdLst>
   <p:sldSz cx="12192000" cy="6858000"/>
   <p:notesSz cx="6858000" cy="9144000"/>
@@ -311,7 +313,7 @@
             <a:fld id="{B61BEF0D-F0BB-DE4B-95CE-6DB70DBA9567}" type="datetimeFigureOut">
               <a:rPr lang="en-US" dirty="0"/>
               <a:pPr/>
-              <a:t>6/11/2019</a:t>
+              <a:t>11/4/2019</a:t>
             </a:fld>
             <a:endParaRPr lang="en-US" dirty="0"/>
           </a:p>
@@ -646,7 +648,7 @@
             <a:fld id="{B61BEF0D-F0BB-DE4B-95CE-6DB70DBA9567}" type="datetimeFigureOut">
               <a:rPr lang="en-US" dirty="0"/>
               <a:pPr/>
-              <a:t>6/11/2019</a:t>
+              <a:t>11/4/2019</a:t>
             </a:fld>
             <a:endParaRPr lang="en-US" dirty="0"/>
           </a:p>
@@ -1044,7 +1046,7 @@
             <a:fld id="{B61BEF0D-F0BB-DE4B-95CE-6DB70DBA9567}" type="datetimeFigureOut">
               <a:rPr lang="en-US" dirty="0"/>
               <a:pPr/>
-              <a:t>6/11/2019</a:t>
+              <a:t>11/4/2019</a:t>
             </a:fld>
             <a:endParaRPr lang="en-US" dirty="0"/>
           </a:p>
@@ -1377,7 +1379,7 @@
             <a:fld id="{B61BEF0D-F0BB-DE4B-95CE-6DB70DBA9567}" type="datetimeFigureOut">
               <a:rPr lang="en-US" dirty="0"/>
               <a:pPr/>
-              <a:t>6/11/2019</a:t>
+              <a:t>11/4/2019</a:t>
             </a:fld>
             <a:endParaRPr lang="en-US" dirty="0"/>
           </a:p>
@@ -1694,7 +1696,7 @@
             <a:fld id="{B61BEF0D-F0BB-DE4B-95CE-6DB70DBA9567}" type="datetimeFigureOut">
               <a:rPr lang="en-US" dirty="0"/>
               <a:pPr/>
-              <a:t>6/11/2019</a:t>
+              <a:t>11/4/2019</a:t>
             </a:fld>
             <a:endParaRPr lang="en-US" dirty="0"/>
           </a:p>
@@ -2087,7 +2089,7 @@
             <a:fld id="{B61BEF0D-F0BB-DE4B-95CE-6DB70DBA9567}" type="datetimeFigureOut">
               <a:rPr lang="en-US" dirty="0"/>
               <a:pPr/>
-              <a:t>6/11/2019</a:t>
+              <a:t>11/4/2019</a:t>
             </a:fld>
             <a:endParaRPr lang="en-US" dirty="0"/>
           </a:p>
@@ -2341,7 +2343,7 @@
             <a:fld id="{B61BEF0D-F0BB-DE4B-95CE-6DB70DBA9567}" type="datetimeFigureOut">
               <a:rPr lang="en-US" dirty="0"/>
               <a:pPr/>
-              <a:t>6/11/2019</a:t>
+              <a:t>11/4/2019</a:t>
             </a:fld>
             <a:endParaRPr lang="en-US" dirty="0"/>
           </a:p>
@@ -2600,7 +2602,7 @@
             <a:fld id="{B61BEF0D-F0BB-DE4B-95CE-6DB70DBA9567}" type="datetimeFigureOut">
               <a:rPr lang="en-US" dirty="0"/>
               <a:pPr/>
-              <a:t>6/11/2019</a:t>
+              <a:t>11/4/2019</a:t>
             </a:fld>
             <a:endParaRPr lang="en-US" dirty="0"/>
           </a:p>
@@ -2859,7 +2861,7 @@
             <a:fld id="{B61BEF0D-F0BB-DE4B-95CE-6DB70DBA9567}" type="datetimeFigureOut">
               <a:rPr lang="en-US" dirty="0"/>
               <a:pPr/>
-              <a:t>6/11/2019</a:t>
+              <a:t>11/4/2019</a:t>
             </a:fld>
             <a:endParaRPr lang="en-US" dirty="0"/>
           </a:p>
@@ -3185,7 +3187,7 @@
             <a:fld id="{B61BEF0D-F0BB-DE4B-95CE-6DB70DBA9567}" type="datetimeFigureOut">
               <a:rPr lang="en-US" dirty="0"/>
               <a:pPr/>
-              <a:t>6/11/2019</a:t>
+              <a:t>11/4/2019</a:t>
             </a:fld>
             <a:endParaRPr lang="en-US" dirty="0"/>
           </a:p>
@@ -3505,7 +3507,7 @@
             <a:fld id="{B61BEF0D-F0BB-DE4B-95CE-6DB70DBA9567}" type="datetimeFigureOut">
               <a:rPr lang="en-US" dirty="0"/>
               <a:pPr/>
-              <a:t>6/11/2019</a:t>
+              <a:t>11/4/2019</a:t>
             </a:fld>
             <a:endParaRPr lang="en-US" dirty="0"/>
           </a:p>
@@ -3959,7 +3961,7 @@
             <a:fld id="{B61BEF0D-F0BB-DE4B-95CE-6DB70DBA9567}" type="datetimeFigureOut">
               <a:rPr lang="en-US" dirty="0"/>
               <a:pPr/>
-              <a:t>6/11/2019</a:t>
+              <a:t>11/4/2019</a:t>
             </a:fld>
             <a:endParaRPr lang="en-US" dirty="0"/>
           </a:p>
@@ -4161,7 +4163,7 @@
             <a:fld id="{B61BEF0D-F0BB-DE4B-95CE-6DB70DBA9567}" type="datetimeFigureOut">
               <a:rPr lang="en-US" dirty="0"/>
               <a:pPr/>
-              <a:t>6/11/2019</a:t>
+              <a:t>11/4/2019</a:t>
             </a:fld>
             <a:endParaRPr lang="en-US" dirty="0"/>
           </a:p>
@@ -4335,7 +4337,7 @@
             <a:fld id="{B61BEF0D-F0BB-DE4B-95CE-6DB70DBA9567}" type="datetimeFigureOut">
               <a:rPr lang="en-US" dirty="0"/>
               <a:pPr/>
-              <a:t>6/11/2019</a:t>
+              <a:t>11/4/2019</a:t>
             </a:fld>
             <a:endParaRPr lang="en-US" dirty="0"/>
           </a:p>
@@ -4665,7 +4667,7 @@
             <a:fld id="{B61BEF0D-F0BB-DE4B-95CE-6DB70DBA9567}" type="datetimeFigureOut">
               <a:rPr lang="en-US" dirty="0"/>
               <a:pPr/>
-              <a:t>6/11/2019</a:t>
+              <a:t>11/4/2019</a:t>
             </a:fld>
             <a:endParaRPr lang="en-US" dirty="0"/>
           </a:p>
@@ -5007,7 +5009,7 @@
             <a:fld id="{B61BEF0D-F0BB-DE4B-95CE-6DB70DBA9567}" type="datetimeFigureOut">
               <a:rPr lang="en-US" dirty="0"/>
               <a:pPr/>
-              <a:t>6/11/2019</a:t>
+              <a:t>11/4/2019</a:t>
             </a:fld>
             <a:endParaRPr lang="en-US" dirty="0"/>
           </a:p>
@@ -7058,7 +7060,7 @@
             <a:fld id="{B61BEF0D-F0BB-DE4B-95CE-6DB70DBA9567}" type="datetimeFigureOut">
               <a:rPr lang="en-US" dirty="0"/>
               <a:pPr/>
-              <a:t>6/11/2019</a:t>
+              <a:t>11/4/2019</a:t>
             </a:fld>
             <a:endParaRPr lang="en-US" dirty="0"/>
           </a:p>
@@ -7612,15 +7614,7 @@
           <a:p>
             <a:r>
               <a:rPr lang="en-US" dirty="0" smtClean="0"/>
-              <a:t>API </a:t>
-            </a:r>
-            <a:r>
-              <a:rPr lang="en-US" dirty="0" smtClean="0"/>
-              <a:t>protocol </a:t>
-            </a:r>
-            <a:r>
-              <a:rPr lang="en-US" dirty="0" smtClean="0"/>
-              <a:t>layer</a:t>
+              <a:t>API protocol layer</a:t>
             </a:r>
             <a:endParaRPr lang="he-IL" dirty="0"/>
           </a:p>
@@ -7710,6 +7704,135 @@
           <a:p>
             <a:r>
               <a:rPr lang="en-US" dirty="0" smtClean="0"/>
+              <a:t>Retrieve multiple resources</a:t>
+            </a:r>
+            <a:endParaRPr lang="he-IL" dirty="0"/>
+          </a:p>
+        </p:txBody>
+      </p:sp>
+      <p:sp>
+        <p:nvSpPr>
+          <p:cNvPr id="3" name="Content Placeholder 2"/>
+          <p:cNvSpPr>
+            <a:spLocks noGrp="1"/>
+          </p:cNvSpPr>
+          <p:nvPr>
+            <p:ph idx="1"/>
+          </p:nvPr>
+        </p:nvSpPr>
+        <p:spPr/>
+        <p:txBody>
+          <a:bodyPr/>
+          <a:lstStyle/>
+          <a:p>
+            <a:pPr algn="l" rtl="0"/>
+            <a:r>
+              <a:rPr lang="en-US" dirty="0" smtClean="0"/>
+              <a:t>N + 1 problem</a:t>
+            </a:r>
+          </a:p>
+          <a:p>
+            <a:pPr algn="l" rtl="0"/>
+            <a:r>
+              <a:rPr lang="en-US" dirty="0" smtClean="0"/>
+              <a:t>User + friends</a:t>
+            </a:r>
+          </a:p>
+          <a:p>
+            <a:pPr lvl="1" algn="l" rtl="0"/>
+            <a:r>
+              <a:rPr lang="en-US" dirty="0" smtClean="0"/>
+              <a:t>REST: 1 * /user/:id + N * /user/:id</a:t>
+            </a:r>
+          </a:p>
+          <a:p>
+            <a:pPr lvl="1" algn="l" rtl="0"/>
+            <a:r>
+              <a:rPr lang="en-US" dirty="0" err="1" smtClean="0"/>
+              <a:t>Graphql</a:t>
+            </a:r>
+            <a:endParaRPr lang="he-IL" dirty="0"/>
+          </a:p>
+        </p:txBody>
+      </p:sp>
+      <p:pic>
+        <p:nvPicPr>
+          <p:cNvPr id="5" name="Picture 4"/>
+          <p:cNvPicPr>
+            <a:picLocks noChangeAspect="1"/>
+          </p:cNvPicPr>
+          <p:nvPr/>
+        </p:nvPicPr>
+        <p:blipFill>
+          <a:blip r:embed="rId2"/>
+          <a:stretch>
+            <a:fillRect/>
+          </a:stretch>
+        </p:blipFill>
+        <p:spPr>
+          <a:xfrm>
+            <a:off x="4572000" y="3441236"/>
+            <a:ext cx="3062287" cy="3143086"/>
+          </a:xfrm>
+          <a:prstGeom prst="rect">
+            <a:avLst/>
+          </a:prstGeom>
+        </p:spPr>
+      </p:pic>
+    </p:spTree>
+    <p:extLst>
+      <p:ext uri="{BB962C8B-B14F-4D97-AF65-F5344CB8AC3E}">
+        <p14:creationId xmlns:p14="http://schemas.microsoft.com/office/powerpoint/2010/main" val="1353111940"/>
+      </p:ext>
+    </p:extLst>
+  </p:cSld>
+  <p:clrMapOvr>
+    <a:masterClrMapping/>
+  </p:clrMapOvr>
+  <p:timing>
+    <p:tnLst>
+      <p:par>
+        <p:cTn id="1" dur="indefinite" restart="never" nodeType="tmRoot"/>
+      </p:par>
+    </p:tnLst>
+  </p:timing>
+</p:sld>
+</file>
+
+<file path=ppt/slides/slide11.xml><?xml version="1.0" encoding="utf-8"?>
+<p:sld xmlns:a="http://schemas.openxmlformats.org/drawingml/2006/main" xmlns:r="http://schemas.openxmlformats.org/officeDocument/2006/relationships" xmlns:p="http://schemas.openxmlformats.org/presentationml/2006/main">
+  <p:cSld>
+    <p:spTree>
+      <p:nvGrpSpPr>
+        <p:cNvPr id="1" name=""/>
+        <p:cNvGrpSpPr/>
+        <p:nvPr/>
+      </p:nvGrpSpPr>
+      <p:grpSpPr>
+        <a:xfrm>
+          <a:off x="0" y="0"/>
+          <a:ext cx="0" cy="0"/>
+          <a:chOff x="0" y="0"/>
+          <a:chExt cx="0" cy="0"/>
+        </a:xfrm>
+      </p:grpSpPr>
+      <p:sp>
+        <p:nvSpPr>
+          <p:cNvPr id="2" name="Title 1"/>
+          <p:cNvSpPr>
+            <a:spLocks noGrp="1"/>
+          </p:cNvSpPr>
+          <p:nvPr>
+            <p:ph type="title"/>
+          </p:nvPr>
+        </p:nvSpPr>
+        <p:spPr/>
+        <p:txBody>
+          <a:bodyPr/>
+          <a:lstStyle/>
+          <a:p>
+            <a:r>
+              <a:rPr lang="en-US" dirty="0" smtClean="0"/>
               <a:t>Strongly typed</a:t>
             </a:r>
             <a:endParaRPr lang="he-IL" dirty="0"/>
@@ -7810,7 +7933,7 @@
 </p:sld>
 </file>
 
-<file path=ppt/slides/slide11.xml><?xml version="1.0" encoding="utf-8"?>
+<file path=ppt/slides/slide12.xml><?xml version="1.0" encoding="utf-8"?>
 <p:sld xmlns:a="http://schemas.openxmlformats.org/drawingml/2006/main" xmlns:r="http://schemas.openxmlformats.org/officeDocument/2006/relationships" xmlns:p="http://schemas.openxmlformats.org/presentationml/2006/main">
   <p:cSld>
     <p:spTree>
@@ -7875,7 +7998,14 @@
             <a:pPr algn="l" rtl="0"/>
             <a:r>
               <a:rPr lang="en-US" dirty="0" smtClean="0"/>
-              <a:t>Single route</a:t>
+              <a:t>Field level usage monitoring</a:t>
+            </a:r>
+          </a:p>
+          <a:p>
+            <a:pPr algn="l" rtl="0"/>
+            <a:r>
+              <a:rPr lang="en-US" dirty="0" smtClean="0"/>
+              <a:t>Adding new fields</a:t>
             </a:r>
             <a:endParaRPr lang="he-IL" dirty="0"/>
           </a:p>
@@ -7885,6 +8015,96 @@
     <p:extLst>
       <p:ext uri="{BB962C8B-B14F-4D97-AF65-F5344CB8AC3E}">
         <p14:creationId xmlns:p14="http://schemas.microsoft.com/office/powerpoint/2010/main" val="2748483367"/>
+      </p:ext>
+    </p:extLst>
+  </p:cSld>
+  <p:clrMapOvr>
+    <a:masterClrMapping/>
+  </p:clrMapOvr>
+  <p:timing>
+    <p:tnLst>
+      <p:par>
+        <p:cTn id="1" dur="indefinite" restart="never" nodeType="tmRoot"/>
+      </p:par>
+    </p:tnLst>
+  </p:timing>
+</p:sld>
+</file>
+
+<file path=ppt/slides/slide13.xml><?xml version="1.0" encoding="utf-8"?>
+<p:sld xmlns:a="http://schemas.openxmlformats.org/drawingml/2006/main" xmlns:r="http://schemas.openxmlformats.org/officeDocument/2006/relationships" xmlns:p="http://schemas.openxmlformats.org/presentationml/2006/main">
+  <p:cSld>
+    <p:spTree>
+      <p:nvGrpSpPr>
+        <p:cNvPr id="1" name=""/>
+        <p:cNvGrpSpPr/>
+        <p:nvPr/>
+      </p:nvGrpSpPr>
+      <p:grpSpPr>
+        <a:xfrm>
+          <a:off x="0" y="0"/>
+          <a:ext cx="0" cy="0"/>
+          <a:chOff x="0" y="0"/>
+          <a:chExt cx="0" cy="0"/>
+        </a:xfrm>
+      </p:grpSpPr>
+      <p:sp>
+        <p:nvSpPr>
+          <p:cNvPr id="2" name="Title 1"/>
+          <p:cNvSpPr>
+            <a:spLocks noGrp="1"/>
+          </p:cNvSpPr>
+          <p:nvPr>
+            <p:ph type="title"/>
+          </p:nvPr>
+        </p:nvSpPr>
+        <p:spPr/>
+        <p:txBody>
+          <a:bodyPr/>
+          <a:lstStyle/>
+          <a:p>
+            <a:r>
+              <a:rPr lang="en-US" dirty="0" smtClean="0"/>
+              <a:t>Simple and Clean</a:t>
+            </a:r>
+            <a:endParaRPr lang="he-IL" dirty="0"/>
+          </a:p>
+        </p:txBody>
+      </p:sp>
+      <p:sp>
+        <p:nvSpPr>
+          <p:cNvPr id="3" name="Content Placeholder 2"/>
+          <p:cNvSpPr>
+            <a:spLocks noGrp="1"/>
+          </p:cNvSpPr>
+          <p:nvPr>
+            <p:ph idx="1"/>
+          </p:nvPr>
+        </p:nvSpPr>
+        <p:spPr/>
+        <p:txBody>
+          <a:bodyPr/>
+          <a:lstStyle/>
+          <a:p>
+            <a:pPr algn="l" rtl="0"/>
+            <a:r>
+              <a:rPr lang="en-US" dirty="0" smtClean="0"/>
+              <a:t>Backend code is maintainable</a:t>
+            </a:r>
+          </a:p>
+          <a:p>
+            <a:pPr algn="l" rtl="0"/>
+            <a:r>
+              <a:rPr lang="en-US" dirty="0" smtClean="0"/>
+              <a:t>Client code is readable</a:t>
+            </a:r>
+          </a:p>
+        </p:txBody>
+      </p:sp>
+    </p:spTree>
+    <p:extLst>
+      <p:ext uri="{BB962C8B-B14F-4D97-AF65-F5344CB8AC3E}">
+        <p14:creationId xmlns:p14="http://schemas.microsoft.com/office/powerpoint/2010/main" val="3771862687"/>
       </p:ext>
     </p:extLst>
   </p:cSld>
@@ -7977,7 +8197,6 @@
               <a:rPr lang="en-US" dirty="0" smtClean="0"/>
               <a:t>Interface</a:t>
             </a:r>
-            <a:endParaRPr lang="en-US" dirty="0" smtClean="0"/>
           </a:p>
           <a:p>
             <a:pPr algn="l" rtl="0"/>
@@ -8431,6 +8650,60 @@
           <a:bodyPr/>
           <a:lstStyle/>
           <a:p>
+            <a:pPr rtl="0"/>
+            <a:r>
+              <a:rPr lang="en-US" dirty="0" smtClean="0"/>
+              <a:t>Hello World Demo </a:t>
+            </a:r>
+            <a:endParaRPr lang="he-IL" dirty="0"/>
+          </a:p>
+        </p:txBody>
+      </p:sp>
+    </p:spTree>
+    <p:extLst>
+      <p:ext uri="{BB962C8B-B14F-4D97-AF65-F5344CB8AC3E}">
+        <p14:creationId xmlns:p14="http://schemas.microsoft.com/office/powerpoint/2010/main" val="3897399249"/>
+      </p:ext>
+    </p:extLst>
+  </p:cSld>
+  <p:clrMapOvr>
+    <a:masterClrMapping/>
+  </p:clrMapOvr>
+</p:sld>
+</file>
+
+<file path=ppt/slides/slide7.xml><?xml version="1.0" encoding="utf-8"?>
+<p:sld xmlns:a="http://schemas.openxmlformats.org/drawingml/2006/main" xmlns:r="http://schemas.openxmlformats.org/officeDocument/2006/relationships" xmlns:p="http://schemas.openxmlformats.org/presentationml/2006/main">
+  <p:cSld>
+    <p:spTree>
+      <p:nvGrpSpPr>
+        <p:cNvPr id="1" name=""/>
+        <p:cNvGrpSpPr/>
+        <p:nvPr/>
+      </p:nvGrpSpPr>
+      <p:grpSpPr>
+        <a:xfrm>
+          <a:off x="0" y="0"/>
+          <a:ext cx="0" cy="0"/>
+          <a:chOff x="0" y="0"/>
+          <a:chExt cx="0" cy="0"/>
+        </a:xfrm>
+      </p:grpSpPr>
+      <p:sp>
+        <p:nvSpPr>
+          <p:cNvPr id="2" name="Title 1"/>
+          <p:cNvSpPr>
+            <a:spLocks noGrp="1"/>
+          </p:cNvSpPr>
+          <p:nvPr>
+            <p:ph type="title"/>
+          </p:nvPr>
+        </p:nvSpPr>
+        <p:spPr/>
+        <p:txBody>
+          <a:bodyPr/>
+          <a:lstStyle/>
+          <a:p>
             <a:r>
               <a:rPr lang="en-US" dirty="0" smtClean="0"/>
               <a:t>Auto docs</a:t>
@@ -8502,7 +8775,7 @@
 </p:sld>
 </file>
 
-<file path=ppt/slides/slide7.xml><?xml version="1.0" encoding="utf-8"?>
+<file path=ppt/slides/slide8.xml><?xml version="1.0" encoding="utf-8"?>
 <p:sld xmlns:a="http://schemas.openxmlformats.org/drawingml/2006/main" xmlns:r="http://schemas.openxmlformats.org/officeDocument/2006/relationships" xmlns:p="http://schemas.openxmlformats.org/presentationml/2006/main">
   <p:cSld>
     <p:spTree>
@@ -8610,104 +8883,6 @@
 </p:sld>
 </file>
 
-<file path=ppt/slides/slide8.xml><?xml version="1.0" encoding="utf-8"?>
-<p:sld xmlns:a="http://schemas.openxmlformats.org/drawingml/2006/main" xmlns:r="http://schemas.openxmlformats.org/officeDocument/2006/relationships" xmlns:p="http://schemas.openxmlformats.org/presentationml/2006/main">
-  <p:cSld>
-    <p:spTree>
-      <p:nvGrpSpPr>
-        <p:cNvPr id="1" name=""/>
-        <p:cNvGrpSpPr/>
-        <p:nvPr/>
-      </p:nvGrpSpPr>
-      <p:grpSpPr>
-        <a:xfrm>
-          <a:off x="0" y="0"/>
-          <a:ext cx="0" cy="0"/>
-          <a:chOff x="0" y="0"/>
-          <a:chExt cx="0" cy="0"/>
-        </a:xfrm>
-      </p:grpSpPr>
-      <p:sp>
-        <p:nvSpPr>
-          <p:cNvPr id="2" name="Title 1"/>
-          <p:cNvSpPr>
-            <a:spLocks noGrp="1"/>
-          </p:cNvSpPr>
-          <p:nvPr>
-            <p:ph type="title"/>
-          </p:nvPr>
-        </p:nvSpPr>
-        <p:spPr/>
-        <p:txBody>
-          <a:bodyPr/>
-          <a:lstStyle/>
-          <a:p>
-            <a:r>
-              <a:rPr lang="en-US" dirty="0" smtClean="0"/>
-              <a:t>Enforce specifying fields</a:t>
-            </a:r>
-            <a:endParaRPr lang="he-IL" dirty="0"/>
-          </a:p>
-        </p:txBody>
-      </p:sp>
-      <p:sp>
-        <p:nvSpPr>
-          <p:cNvPr id="3" name="Content Placeholder 2"/>
-          <p:cNvSpPr>
-            <a:spLocks noGrp="1"/>
-          </p:cNvSpPr>
-          <p:nvPr>
-            <p:ph idx="1"/>
-          </p:nvPr>
-        </p:nvSpPr>
-        <p:spPr/>
-        <p:txBody>
-          <a:bodyPr/>
-          <a:lstStyle/>
-          <a:p>
-            <a:pPr algn="l" rtl="0"/>
-            <a:r>
-              <a:rPr lang="en-US" dirty="0" smtClean="0"/>
-              <a:t>Ask the fields you want for the entity</a:t>
-            </a:r>
-          </a:p>
-          <a:p>
-            <a:pPr algn="l" rtl="0"/>
-            <a:r>
-              <a:rPr lang="en-US" dirty="0" smtClean="0"/>
-              <a:t>Minimal size</a:t>
-            </a:r>
-          </a:p>
-          <a:p>
-            <a:pPr algn="l" rtl="0"/>
-            <a:r>
-              <a:rPr lang="en-US" dirty="0" smtClean="0"/>
-              <a:t>Backward compatible</a:t>
-            </a:r>
-            <a:endParaRPr lang="he-IL" dirty="0"/>
-          </a:p>
-        </p:txBody>
-      </p:sp>
-    </p:spTree>
-    <p:extLst>
-      <p:ext uri="{BB962C8B-B14F-4D97-AF65-F5344CB8AC3E}">
-        <p14:creationId xmlns:p14="http://schemas.microsoft.com/office/powerpoint/2010/main" val="3856655169"/>
-      </p:ext>
-    </p:extLst>
-  </p:cSld>
-  <p:clrMapOvr>
-    <a:masterClrMapping/>
-  </p:clrMapOvr>
-  <p:timing>
-    <p:tnLst>
-      <p:par>
-        <p:cTn id="1" dur="indefinite" restart="never" nodeType="tmRoot"/>
-      </p:par>
-    </p:tnLst>
-  </p:timing>
-</p:sld>
-</file>
-
 <file path=ppt/slides/slide9.xml><?xml version="1.0" encoding="utf-8"?>
 <p:sld xmlns:a="http://schemas.openxmlformats.org/drawingml/2006/main" xmlns:r="http://schemas.openxmlformats.org/officeDocument/2006/relationships" xmlns:p="http://schemas.openxmlformats.org/presentationml/2006/main">
   <p:cSld>
@@ -8742,7 +8917,7 @@
           <a:p>
             <a:r>
               <a:rPr lang="en-US" dirty="0" smtClean="0"/>
-              <a:t>Retrieve multiple resources</a:t>
+              <a:t>Enforce specifying fields</a:t>
             </a:r>
             <a:endParaRPr lang="he-IL" dirty="0"/>
           </a:p>
@@ -8766,61 +8941,30 @@
             <a:pPr algn="l" rtl="0"/>
             <a:r>
               <a:rPr lang="en-US" dirty="0" smtClean="0"/>
-              <a:t>N + 1 problem</a:t>
+              <a:t>Ask the fields you want for the entity</a:t>
             </a:r>
           </a:p>
           <a:p>
             <a:pPr algn="l" rtl="0"/>
             <a:r>
               <a:rPr lang="en-US" dirty="0" smtClean="0"/>
-              <a:t>User + friends</a:t>
-            </a:r>
-          </a:p>
-          <a:p>
-            <a:pPr lvl="1" algn="l" rtl="0"/>
+              <a:t>Minimal size</a:t>
+            </a:r>
+          </a:p>
+          <a:p>
+            <a:pPr algn="l" rtl="0"/>
             <a:r>
               <a:rPr lang="en-US" dirty="0" smtClean="0"/>
-              <a:t>REST: 1 * /user/:id + N * /user/:id</a:t>
-            </a:r>
-          </a:p>
-          <a:p>
-            <a:pPr lvl="1" algn="l" rtl="0"/>
-            <a:r>
-              <a:rPr lang="en-US" dirty="0" err="1" smtClean="0"/>
-              <a:t>Graphql</a:t>
+              <a:t>Backward compatible</a:t>
             </a:r>
             <a:endParaRPr lang="he-IL" dirty="0"/>
           </a:p>
         </p:txBody>
       </p:sp>
-      <p:pic>
-        <p:nvPicPr>
-          <p:cNvPr id="5" name="Picture 4"/>
-          <p:cNvPicPr>
-            <a:picLocks noChangeAspect="1"/>
-          </p:cNvPicPr>
-          <p:nvPr/>
-        </p:nvPicPr>
-        <p:blipFill>
-          <a:blip r:embed="rId2"/>
-          <a:stretch>
-            <a:fillRect/>
-          </a:stretch>
-        </p:blipFill>
-        <p:spPr>
-          <a:xfrm>
-            <a:off x="4572000" y="3441236"/>
-            <a:ext cx="3062287" cy="3143086"/>
-          </a:xfrm>
-          <a:prstGeom prst="rect">
-            <a:avLst/>
-          </a:prstGeom>
-        </p:spPr>
-      </p:pic>
     </p:spTree>
     <p:extLst>
       <p:ext uri="{BB962C8B-B14F-4D97-AF65-F5344CB8AC3E}">
-        <p14:creationId xmlns:p14="http://schemas.microsoft.com/office/powerpoint/2010/main" val="1353111940"/>
+        <p14:creationId xmlns:p14="http://schemas.microsoft.com/office/powerpoint/2010/main" val="3856655169"/>
       </p:ext>
     </p:extLst>
   </p:cSld>

--- a/graphql/docs/graphql.pptx
+++ b/graphql/docs/graphql.pptx
@@ -18,6 +18,10 @@
     <p:sldId id="265" r:id="rId12"/>
     <p:sldId id="266" r:id="rId13"/>
     <p:sldId id="267" r:id="rId14"/>
+    <p:sldId id="269" r:id="rId15"/>
+    <p:sldId id="273" r:id="rId16"/>
+    <p:sldId id="274" r:id="rId17"/>
+    <p:sldId id="275" r:id="rId18"/>
   </p:sldIdLst>
   <p:sldSz cx="12192000" cy="6858000"/>
   <p:notesSz cx="6858000" cy="9144000"/>
@@ -8121,6 +8125,336 @@
 </p:sld>
 </file>
 
+<file path=ppt/slides/slide14.xml><?xml version="1.0" encoding="utf-8"?>
+<p:sld xmlns:a="http://schemas.openxmlformats.org/drawingml/2006/main" xmlns:r="http://schemas.openxmlformats.org/officeDocument/2006/relationships" xmlns:p="http://schemas.openxmlformats.org/presentationml/2006/main">
+  <p:cSld>
+    <p:spTree>
+      <p:nvGrpSpPr>
+        <p:cNvPr id="1" name=""/>
+        <p:cNvGrpSpPr/>
+        <p:nvPr/>
+      </p:nvGrpSpPr>
+      <p:grpSpPr>
+        <a:xfrm>
+          <a:off x="0" y="0"/>
+          <a:ext cx="0" cy="0"/>
+          <a:chOff x="0" y="0"/>
+          <a:chExt cx="0" cy="0"/>
+        </a:xfrm>
+      </p:grpSpPr>
+      <p:sp>
+        <p:nvSpPr>
+          <p:cNvPr id="2" name="Title 1"/>
+          <p:cNvSpPr>
+            <a:spLocks noGrp="1"/>
+          </p:cNvSpPr>
+          <p:nvPr>
+            <p:ph type="title"/>
+          </p:nvPr>
+        </p:nvSpPr>
+        <p:spPr/>
+        <p:txBody>
+          <a:bodyPr/>
+          <a:lstStyle/>
+          <a:p>
+            <a:pPr rtl="0"/>
+            <a:r>
+              <a:rPr lang="en-US" dirty="0" smtClean="0"/>
+              <a:t>Pizza Demo</a:t>
+            </a:r>
+            <a:endParaRPr lang="he-IL" dirty="0"/>
+          </a:p>
+        </p:txBody>
+      </p:sp>
+    </p:spTree>
+    <p:extLst>
+      <p:ext uri="{BB962C8B-B14F-4D97-AF65-F5344CB8AC3E}">
+        <p14:creationId xmlns:p14="http://schemas.microsoft.com/office/powerpoint/2010/main" val="1608072410"/>
+      </p:ext>
+    </p:extLst>
+  </p:cSld>
+  <p:clrMapOvr>
+    <a:masterClrMapping/>
+  </p:clrMapOvr>
+</p:sld>
+</file>
+
+<file path=ppt/slides/slide15.xml><?xml version="1.0" encoding="utf-8"?>
+<p:sld xmlns:a="http://schemas.openxmlformats.org/drawingml/2006/main" xmlns:r="http://schemas.openxmlformats.org/officeDocument/2006/relationships" xmlns:p="http://schemas.openxmlformats.org/presentationml/2006/main">
+  <p:cSld>
+    <p:spTree>
+      <p:nvGrpSpPr>
+        <p:cNvPr id="1" name=""/>
+        <p:cNvGrpSpPr/>
+        <p:nvPr/>
+      </p:nvGrpSpPr>
+      <p:grpSpPr>
+        <a:xfrm>
+          <a:off x="0" y="0"/>
+          <a:ext cx="0" cy="0"/>
+          <a:chOff x="0" y="0"/>
+          <a:chExt cx="0" cy="0"/>
+        </a:xfrm>
+      </p:grpSpPr>
+      <p:sp>
+        <p:nvSpPr>
+          <p:cNvPr id="2" name="Title 1"/>
+          <p:cNvSpPr>
+            <a:spLocks noGrp="1"/>
+          </p:cNvSpPr>
+          <p:nvPr>
+            <p:ph type="title"/>
+          </p:nvPr>
+        </p:nvSpPr>
+        <p:spPr/>
+        <p:txBody>
+          <a:bodyPr/>
+          <a:lstStyle/>
+          <a:p>
+            <a:pPr rtl="0"/>
+            <a:r>
+              <a:rPr lang="en-US" dirty="0" smtClean="0"/>
+              <a:t>Downsides</a:t>
+            </a:r>
+            <a:endParaRPr lang="he-IL" dirty="0"/>
+          </a:p>
+        </p:txBody>
+      </p:sp>
+      <p:sp>
+        <p:nvSpPr>
+          <p:cNvPr id="3" name="Content Placeholder 2"/>
+          <p:cNvSpPr>
+            <a:spLocks noGrp="1"/>
+          </p:cNvSpPr>
+          <p:nvPr>
+            <p:ph idx="1"/>
+          </p:nvPr>
+        </p:nvSpPr>
+        <p:spPr/>
+        <p:txBody>
+          <a:bodyPr/>
+          <a:lstStyle/>
+          <a:p>
+            <a:pPr algn="l" rtl="0"/>
+            <a:r>
+              <a:rPr lang="en-US" dirty="0" smtClean="0"/>
+              <a:t>Limited libs</a:t>
+            </a:r>
+          </a:p>
+          <a:p>
+            <a:pPr algn="l" rtl="0"/>
+            <a:r>
+              <a:rPr lang="en-US" dirty="0" smtClean="0"/>
+              <a:t>Difficult to cache</a:t>
+            </a:r>
+          </a:p>
+        </p:txBody>
+      </p:sp>
+    </p:spTree>
+    <p:extLst>
+      <p:ext uri="{BB962C8B-B14F-4D97-AF65-F5344CB8AC3E}">
+        <p14:creationId xmlns:p14="http://schemas.microsoft.com/office/powerpoint/2010/main" val="957829664"/>
+      </p:ext>
+    </p:extLst>
+  </p:cSld>
+  <p:clrMapOvr>
+    <a:masterClrMapping/>
+  </p:clrMapOvr>
+</p:sld>
+</file>
+
+<file path=ppt/slides/slide16.xml><?xml version="1.0" encoding="utf-8"?>
+<p:sld xmlns:a="http://schemas.openxmlformats.org/drawingml/2006/main" xmlns:r="http://schemas.openxmlformats.org/officeDocument/2006/relationships" xmlns:p="http://schemas.openxmlformats.org/presentationml/2006/main">
+  <p:cSld>
+    <p:spTree>
+      <p:nvGrpSpPr>
+        <p:cNvPr id="1" name=""/>
+        <p:cNvGrpSpPr/>
+        <p:nvPr/>
+      </p:nvGrpSpPr>
+      <p:grpSpPr>
+        <a:xfrm>
+          <a:off x="0" y="0"/>
+          <a:ext cx="0" cy="0"/>
+          <a:chOff x="0" y="0"/>
+          <a:chExt cx="0" cy="0"/>
+        </a:xfrm>
+      </p:grpSpPr>
+      <p:sp>
+        <p:nvSpPr>
+          <p:cNvPr id="2" name="Title 1"/>
+          <p:cNvSpPr>
+            <a:spLocks noGrp="1"/>
+          </p:cNvSpPr>
+          <p:nvPr>
+            <p:ph type="title"/>
+          </p:nvPr>
+        </p:nvSpPr>
+        <p:spPr/>
+        <p:txBody>
+          <a:bodyPr/>
+          <a:lstStyle/>
+          <a:p>
+            <a:pPr rtl="0"/>
+            <a:r>
+              <a:rPr lang="en-US" dirty="0" smtClean="0"/>
+              <a:t>Conclusion</a:t>
+            </a:r>
+            <a:endParaRPr lang="he-IL" dirty="0"/>
+          </a:p>
+        </p:txBody>
+      </p:sp>
+      <p:sp>
+        <p:nvSpPr>
+          <p:cNvPr id="3" name="Content Placeholder 2"/>
+          <p:cNvSpPr>
+            <a:spLocks noGrp="1"/>
+          </p:cNvSpPr>
+          <p:nvPr>
+            <p:ph idx="1"/>
+          </p:nvPr>
+        </p:nvSpPr>
+        <p:spPr/>
+        <p:txBody>
+          <a:bodyPr/>
+          <a:lstStyle/>
+          <a:p>
+            <a:pPr algn="l" rtl="0"/>
+            <a:r>
+              <a:rPr lang="en-US" dirty="0" err="1" smtClean="0"/>
+              <a:t>GraphQL</a:t>
+            </a:r>
+            <a:r>
+              <a:rPr lang="en-US" dirty="0" smtClean="0"/>
+              <a:t> is an API layer (not </a:t>
+            </a:r>
+            <a:r>
+              <a:rPr lang="en-US" dirty="0" err="1" smtClean="0"/>
+              <a:t>db</a:t>
+            </a:r>
+            <a:r>
+              <a:rPr lang="en-US" dirty="0" smtClean="0"/>
+              <a:t>, cache, programming language …)</a:t>
+            </a:r>
+          </a:p>
+          <a:p>
+            <a:pPr algn="l" rtl="0"/>
+            <a:r>
+              <a:rPr lang="en-US" dirty="0" err="1" smtClean="0"/>
+              <a:t>GraphQL</a:t>
+            </a:r>
+            <a:r>
+              <a:rPr lang="en-US" dirty="0" smtClean="0"/>
+              <a:t> focus on data, not endpoints</a:t>
+            </a:r>
+          </a:p>
+          <a:p>
+            <a:pPr algn="l" rtl="0"/>
+            <a:r>
+              <a:rPr lang="en-US" dirty="0" smtClean="0"/>
+              <a:t>Industry is moving towards </a:t>
+            </a:r>
+            <a:r>
+              <a:rPr lang="en-US" dirty="0" err="1" smtClean="0"/>
+              <a:t>GraphQL</a:t>
+            </a:r>
+            <a:r>
+              <a:rPr lang="en-US" dirty="0" smtClean="0"/>
+              <a:t> (</a:t>
+            </a:r>
+            <a:r>
+              <a:rPr lang="en-US" dirty="0" err="1" smtClean="0"/>
+              <a:t>GitHub</a:t>
+            </a:r>
+            <a:r>
+              <a:rPr lang="en-US" dirty="0" smtClean="0"/>
+              <a:t>, </a:t>
+            </a:r>
+            <a:r>
+              <a:rPr lang="en-US" dirty="0" err="1" smtClean="0"/>
+              <a:t>GitLab</a:t>
+            </a:r>
+            <a:r>
+              <a:rPr lang="en-US" dirty="0" smtClean="0"/>
+              <a:t>…)</a:t>
+            </a:r>
+          </a:p>
+          <a:p>
+            <a:pPr algn="l" rtl="0"/>
+            <a:r>
+              <a:rPr lang="en-US" dirty="0" smtClean="0"/>
+              <a:t>May be adopted incrementally</a:t>
+            </a:r>
+          </a:p>
+        </p:txBody>
+      </p:sp>
+    </p:spTree>
+    <p:extLst>
+      <p:ext uri="{BB962C8B-B14F-4D97-AF65-F5344CB8AC3E}">
+        <p14:creationId xmlns:p14="http://schemas.microsoft.com/office/powerpoint/2010/main" val="2840304737"/>
+      </p:ext>
+    </p:extLst>
+  </p:cSld>
+  <p:clrMapOvr>
+    <a:masterClrMapping/>
+  </p:clrMapOvr>
+</p:sld>
+</file>
+
+<file path=ppt/slides/slide17.xml><?xml version="1.0" encoding="utf-8"?>
+<p:sld xmlns:a="http://schemas.openxmlformats.org/drawingml/2006/main" xmlns:r="http://schemas.openxmlformats.org/officeDocument/2006/relationships" xmlns:p="http://schemas.openxmlformats.org/presentationml/2006/main">
+  <p:cSld>
+    <p:spTree>
+      <p:nvGrpSpPr>
+        <p:cNvPr id="1" name=""/>
+        <p:cNvGrpSpPr/>
+        <p:nvPr/>
+      </p:nvGrpSpPr>
+      <p:grpSpPr>
+        <a:xfrm>
+          <a:off x="0" y="0"/>
+          <a:ext cx="0" cy="0"/>
+          <a:chOff x="0" y="0"/>
+          <a:chExt cx="0" cy="0"/>
+        </a:xfrm>
+      </p:grpSpPr>
+      <p:sp>
+        <p:nvSpPr>
+          <p:cNvPr id="2" name="Title 1"/>
+          <p:cNvSpPr>
+            <a:spLocks noGrp="1"/>
+          </p:cNvSpPr>
+          <p:nvPr>
+            <p:ph type="title"/>
+          </p:nvPr>
+        </p:nvSpPr>
+        <p:spPr/>
+        <p:txBody>
+          <a:bodyPr/>
+          <a:lstStyle/>
+          <a:p>
+            <a:pPr rtl="0"/>
+            <a:r>
+              <a:rPr lang="en-US" dirty="0" smtClean="0"/>
+              <a:t>Questions?</a:t>
+            </a:r>
+            <a:endParaRPr lang="he-IL" dirty="0"/>
+          </a:p>
+        </p:txBody>
+      </p:sp>
+    </p:spTree>
+    <p:extLst>
+      <p:ext uri="{BB962C8B-B14F-4D97-AF65-F5344CB8AC3E}">
+        <p14:creationId xmlns:p14="http://schemas.microsoft.com/office/powerpoint/2010/main" val="1351519785"/>
+      </p:ext>
+    </p:extLst>
+  </p:cSld>
+  <p:clrMapOvr>
+    <a:masterClrMapping/>
+  </p:clrMapOvr>
+</p:sld>
+</file>
+
 <file path=ppt/slides/slide2.xml><?xml version="1.0" encoding="utf-8"?>
 <p:sld xmlns:a="http://schemas.openxmlformats.org/drawingml/2006/main" xmlns:r="http://schemas.openxmlformats.org/officeDocument/2006/relationships" xmlns:p="http://schemas.openxmlformats.org/presentationml/2006/main">
   <p:cSld>
